--- a/Nextion/Telas/Telas.pptx
+++ b/Nextion/Telas/Telas.pptx
@@ -13,7 +13,7 @@
     <p:sldId id="258" r:id="rId7"/>
     <p:sldId id="264" r:id="rId8"/>
     <p:sldId id="259" r:id="rId9"/>
-    <p:sldId id="265" r:id="rId10"/>
+    <p:sldId id="271" r:id="rId10"/>
     <p:sldId id="257" r:id="rId11"/>
     <p:sldId id="266" r:id="rId12"/>
     <p:sldId id="267" r:id="rId13"/>
@@ -255,7 +255,7 @@
           <a:p>
             <a:fld id="{2088E2CC-E3CD-4EEA-8B59-91420F408F85}" type="datetimeFigureOut">
               <a:rPr lang="pt-BR" smtClean="0"/>
-              <a:t>16/08/2023</a:t>
+              <a:t>17/08/2023</a:t>
             </a:fld>
             <a:endParaRPr lang="pt-BR"/>
           </a:p>
@@ -425,7 +425,7 @@
           <a:p>
             <a:fld id="{2088E2CC-E3CD-4EEA-8B59-91420F408F85}" type="datetimeFigureOut">
               <a:rPr lang="pt-BR" smtClean="0"/>
-              <a:t>16/08/2023</a:t>
+              <a:t>17/08/2023</a:t>
             </a:fld>
             <a:endParaRPr lang="pt-BR"/>
           </a:p>
@@ -605,7 +605,7 @@
           <a:p>
             <a:fld id="{2088E2CC-E3CD-4EEA-8B59-91420F408F85}" type="datetimeFigureOut">
               <a:rPr lang="pt-BR" smtClean="0"/>
-              <a:t>16/08/2023</a:t>
+              <a:t>17/08/2023</a:t>
             </a:fld>
             <a:endParaRPr lang="pt-BR"/>
           </a:p>
@@ -775,7 +775,7 @@
           <a:p>
             <a:fld id="{2088E2CC-E3CD-4EEA-8B59-91420F408F85}" type="datetimeFigureOut">
               <a:rPr lang="pt-BR" smtClean="0"/>
-              <a:t>16/08/2023</a:t>
+              <a:t>17/08/2023</a:t>
             </a:fld>
             <a:endParaRPr lang="pt-BR"/>
           </a:p>
@@ -1021,7 +1021,7 @@
           <a:p>
             <a:fld id="{2088E2CC-E3CD-4EEA-8B59-91420F408F85}" type="datetimeFigureOut">
               <a:rPr lang="pt-BR" smtClean="0"/>
-              <a:t>16/08/2023</a:t>
+              <a:t>17/08/2023</a:t>
             </a:fld>
             <a:endParaRPr lang="pt-BR"/>
           </a:p>
@@ -1253,7 +1253,7 @@
           <a:p>
             <a:fld id="{2088E2CC-E3CD-4EEA-8B59-91420F408F85}" type="datetimeFigureOut">
               <a:rPr lang="pt-BR" smtClean="0"/>
-              <a:t>16/08/2023</a:t>
+              <a:t>17/08/2023</a:t>
             </a:fld>
             <a:endParaRPr lang="pt-BR"/>
           </a:p>
@@ -1620,7 +1620,7 @@
           <a:p>
             <a:fld id="{2088E2CC-E3CD-4EEA-8B59-91420F408F85}" type="datetimeFigureOut">
               <a:rPr lang="pt-BR" smtClean="0"/>
-              <a:t>16/08/2023</a:t>
+              <a:t>17/08/2023</a:t>
             </a:fld>
             <a:endParaRPr lang="pt-BR"/>
           </a:p>
@@ -1738,7 +1738,7 @@
           <a:p>
             <a:fld id="{2088E2CC-E3CD-4EEA-8B59-91420F408F85}" type="datetimeFigureOut">
               <a:rPr lang="pt-BR" smtClean="0"/>
-              <a:t>16/08/2023</a:t>
+              <a:t>17/08/2023</a:t>
             </a:fld>
             <a:endParaRPr lang="pt-BR"/>
           </a:p>
@@ -1833,7 +1833,7 @@
           <a:p>
             <a:fld id="{2088E2CC-E3CD-4EEA-8B59-91420F408F85}" type="datetimeFigureOut">
               <a:rPr lang="pt-BR" smtClean="0"/>
-              <a:t>16/08/2023</a:t>
+              <a:t>17/08/2023</a:t>
             </a:fld>
             <a:endParaRPr lang="pt-BR"/>
           </a:p>
@@ -2110,7 +2110,7 @@
           <a:p>
             <a:fld id="{2088E2CC-E3CD-4EEA-8B59-91420F408F85}" type="datetimeFigureOut">
               <a:rPr lang="pt-BR" smtClean="0"/>
-              <a:t>16/08/2023</a:t>
+              <a:t>17/08/2023</a:t>
             </a:fld>
             <a:endParaRPr lang="pt-BR"/>
           </a:p>
@@ -2367,7 +2367,7 @@
           <a:p>
             <a:fld id="{2088E2CC-E3CD-4EEA-8B59-91420F408F85}" type="datetimeFigureOut">
               <a:rPr lang="pt-BR" smtClean="0"/>
-              <a:t>16/08/2023</a:t>
+              <a:t>17/08/2023</a:t>
             </a:fld>
             <a:endParaRPr lang="pt-BR"/>
           </a:p>
@@ -2580,7 +2580,7 @@
           <a:p>
             <a:fld id="{2088E2CC-E3CD-4EEA-8B59-91420F408F85}" type="datetimeFigureOut">
               <a:rPr lang="pt-BR" smtClean="0"/>
-              <a:t>16/08/2023</a:t>
+              <a:t>17/08/2023</a:t>
             </a:fld>
             <a:endParaRPr lang="pt-BR"/>
           </a:p>
@@ -4517,7 +4517,7 @@
         </p:nvSpPr>
         <p:spPr>
           <a:xfrm>
-            <a:off x="221086" y="552154"/>
+            <a:off x="221086" y="388028"/>
             <a:ext cx="1975339" cy="589138"/>
           </a:xfrm>
           <a:prstGeom prst="rect">
@@ -4566,7 +4566,7 @@
         </p:nvSpPr>
         <p:spPr>
           <a:xfrm>
-            <a:off x="1773115" y="2074743"/>
+            <a:off x="1773115" y="2373687"/>
             <a:ext cx="4325816" cy="355260"/>
           </a:xfrm>
           <a:prstGeom prst="rect">
@@ -4615,7 +4615,7 @@
         </p:nvSpPr>
         <p:spPr>
           <a:xfrm>
-            <a:off x="2196422" y="552154"/>
+            <a:off x="2196422" y="388028"/>
             <a:ext cx="1578408" cy="589137"/>
           </a:xfrm>
           <a:prstGeom prst="rect">
@@ -4659,7 +4659,7 @@
         </p:nvSpPr>
         <p:spPr>
           <a:xfrm>
-            <a:off x="3757978" y="2439529"/>
+            <a:off x="3757978" y="2738473"/>
             <a:ext cx="1649597" cy="579299"/>
           </a:xfrm>
           <a:prstGeom prst="rect">
@@ -4801,7 +4801,7 @@
         </p:nvSpPr>
         <p:spPr>
           <a:xfrm>
-            <a:off x="3755595" y="3019264"/>
+            <a:off x="3755595" y="3318208"/>
             <a:ext cx="1651980" cy="589137"/>
           </a:xfrm>
           <a:prstGeom prst="rect">
@@ -4845,7 +4845,7 @@
         </p:nvSpPr>
         <p:spPr>
           <a:xfrm>
-            <a:off x="1773112" y="2430002"/>
+            <a:off x="1773112" y="2728946"/>
             <a:ext cx="1975339" cy="589138"/>
           </a:xfrm>
           <a:prstGeom prst="rect">
@@ -4894,7 +4894,7 @@
         </p:nvSpPr>
         <p:spPr>
           <a:xfrm>
-            <a:off x="1773111" y="3018828"/>
+            <a:off x="1773111" y="3317772"/>
             <a:ext cx="1975339" cy="589138"/>
           </a:xfrm>
           <a:prstGeom prst="rect">
@@ -4943,7 +4943,7 @@
         </p:nvSpPr>
         <p:spPr>
           <a:xfrm>
-            <a:off x="5409164" y="2437023"/>
+            <a:off x="5409164" y="2735967"/>
             <a:ext cx="688180" cy="589138"/>
           </a:xfrm>
           <a:prstGeom prst="rect">
@@ -4998,7 +4998,7 @@
         </p:nvSpPr>
         <p:spPr>
           <a:xfrm>
-            <a:off x="5415513" y="3024554"/>
+            <a:off x="5415513" y="3323498"/>
             <a:ext cx="685799" cy="589137"/>
           </a:xfrm>
           <a:prstGeom prst="rect">
@@ -5102,7 +5102,7 @@
         </p:nvSpPr>
         <p:spPr>
           <a:xfrm>
-            <a:off x="3861101" y="552154"/>
+            <a:off x="3861101" y="388028"/>
             <a:ext cx="1975339" cy="589138"/>
           </a:xfrm>
           <a:prstGeom prst="rect">
@@ -5132,7 +5132,7 @@
             <a:pPr algn="ctr"/>
             <a:r>
               <a:rPr lang="pt-BR" dirty="0"/>
-              <a:t>Velocidade Máxima (m/min)</a:t>
+              <a:t>Velocidade Máxima</a:t>
             </a:r>
           </a:p>
         </p:txBody>
@@ -5151,7 +5151,7 @@
         </p:nvSpPr>
         <p:spPr>
           <a:xfrm>
-            <a:off x="5836437" y="552154"/>
+            <a:off x="5836437" y="388028"/>
             <a:ext cx="1578408" cy="589137"/>
           </a:xfrm>
           <a:prstGeom prst="rect">
@@ -5197,7 +5197,7 @@
         </p:nvCxnSpPr>
         <p:spPr>
           <a:xfrm>
-            <a:off x="0" y="1547446"/>
+            <a:off x="0" y="1869830"/>
             <a:ext cx="7620000" cy="0"/>
           </a:xfrm>
           <a:prstGeom prst="line">
@@ -5234,7 +5234,7 @@
         </p:nvSpPr>
         <p:spPr>
           <a:xfrm>
-            <a:off x="2426677" y="1544156"/>
+            <a:off x="2414954" y="1950312"/>
             <a:ext cx="3500317" cy="369332"/>
           </a:xfrm>
           <a:prstGeom prst="rect">
@@ -5256,6 +5256,99 @@
               </a:rPr>
               <a:t>CUIDADO – NÃO ALTERAR VALORES</a:t>
             </a:r>
+          </a:p>
+        </p:txBody>
+      </p:sp>
+      <p:sp>
+        <p:nvSpPr>
+          <p:cNvPr id="11" name="Rectangle 10">
+            <a:extLst>
+              <a:ext uri="{FF2B5EF4-FFF2-40B4-BE49-F238E27FC236}">
+                <a16:creationId xmlns:a16="http://schemas.microsoft.com/office/drawing/2014/main" id="{94F96977-7AB5-8717-1991-1357C21A1BE7}"/>
+              </a:ext>
+            </a:extLst>
+          </p:cNvPr>
+          <p:cNvSpPr/>
+          <p:nvPr/>
+        </p:nvSpPr>
+        <p:spPr>
+          <a:xfrm>
+            <a:off x="3861101" y="1039584"/>
+            <a:ext cx="1975339" cy="589138"/>
+          </a:xfrm>
+          <a:prstGeom prst="rect">
+            <a:avLst/>
+          </a:prstGeom>
+        </p:spPr>
+        <p:style>
+          <a:lnRef idx="2">
+            <a:schemeClr val="accent1">
+              <a:shade val="15000"/>
+            </a:schemeClr>
+          </a:lnRef>
+          <a:fillRef idx="1">
+            <a:schemeClr val="accent1"/>
+          </a:fillRef>
+          <a:effectRef idx="0">
+            <a:schemeClr val="accent1"/>
+          </a:effectRef>
+          <a:fontRef idx="minor">
+            <a:schemeClr val="lt1"/>
+          </a:fontRef>
+        </p:style>
+        <p:txBody>
+          <a:bodyPr rtlCol="0" anchor="ctr"/>
+          <a:lstStyle/>
+          <a:p>
+            <a:pPr algn="ctr"/>
+            <a:r>
+              <a:rPr lang="pt-BR" dirty="0"/>
+              <a:t>Unidade de medida</a:t>
+            </a:r>
+          </a:p>
+        </p:txBody>
+      </p:sp>
+      <p:sp>
+        <p:nvSpPr>
+          <p:cNvPr id="13" name="Rectangle 12">
+            <a:extLst>
+              <a:ext uri="{FF2B5EF4-FFF2-40B4-BE49-F238E27FC236}">
+                <a16:creationId xmlns:a16="http://schemas.microsoft.com/office/drawing/2014/main" id="{5A75BCE5-B3E8-B3FF-C9D1-943F89B8BF1B}"/>
+              </a:ext>
+            </a:extLst>
+          </p:cNvPr>
+          <p:cNvSpPr/>
+          <p:nvPr/>
+        </p:nvSpPr>
+        <p:spPr>
+          <a:xfrm>
+            <a:off x="5836437" y="1039584"/>
+            <a:ext cx="1578408" cy="589137"/>
+          </a:xfrm>
+          <a:prstGeom prst="rect">
+            <a:avLst/>
+          </a:prstGeom>
+        </p:spPr>
+        <p:style>
+          <a:lnRef idx="2">
+            <a:schemeClr val="accent1"/>
+          </a:lnRef>
+          <a:fillRef idx="1">
+            <a:schemeClr val="lt1"/>
+          </a:fillRef>
+          <a:effectRef idx="0">
+            <a:schemeClr val="accent1"/>
+          </a:effectRef>
+          <a:fontRef idx="minor">
+            <a:schemeClr val="dk1"/>
+          </a:fontRef>
+        </p:style>
+        <p:txBody>
+          <a:bodyPr rtlCol="0" anchor="ctr"/>
+          <a:lstStyle/>
+          <a:p>
+            <a:pPr algn="ctr"/>
+            <a:endParaRPr lang="pt-BR"/>
           </a:p>
         </p:txBody>
       </p:sp>
@@ -11182,8 +11275,8 @@
         </p:nvSpPr>
         <p:spPr>
           <a:xfrm>
-            <a:off x="111370" y="235434"/>
-            <a:ext cx="2080846" cy="837230"/>
+            <a:off x="1031630" y="235434"/>
+            <a:ext cx="1764324" cy="837230"/>
           </a:xfrm>
           <a:prstGeom prst="rect">
             <a:avLst/>
@@ -11226,8 +11319,8 @@
         </p:nvSpPr>
         <p:spPr>
           <a:xfrm>
-            <a:off x="169983" y="283476"/>
-            <a:ext cx="1961659" cy="212785"/>
+            <a:off x="1072113" y="283476"/>
+            <a:ext cx="1663267" cy="212785"/>
           </a:xfrm>
           <a:prstGeom prst="rect">
             <a:avLst/>
@@ -11275,8 +11368,8 @@
         </p:nvSpPr>
         <p:spPr>
           <a:xfrm>
-            <a:off x="169983" y="537677"/>
-            <a:ext cx="1961659" cy="383073"/>
+            <a:off x="1072113" y="537677"/>
+            <a:ext cx="1663267" cy="383073"/>
           </a:xfrm>
           <a:prstGeom prst="rect">
             <a:avLst/>
@@ -11333,8 +11426,8 @@
         </p:nvSpPr>
         <p:spPr>
           <a:xfrm>
-            <a:off x="2309447" y="235434"/>
-            <a:ext cx="2080846" cy="837230"/>
+            <a:off x="2927838" y="235434"/>
+            <a:ext cx="1764324" cy="837230"/>
           </a:xfrm>
           <a:prstGeom prst="rect">
             <a:avLst/>
@@ -11377,8 +11470,8 @@
         </p:nvSpPr>
         <p:spPr>
           <a:xfrm>
-            <a:off x="2368060" y="283476"/>
-            <a:ext cx="1961659" cy="212785"/>
+            <a:off x="2968321" y="283476"/>
+            <a:ext cx="1663267" cy="212785"/>
           </a:xfrm>
           <a:prstGeom prst="rect">
             <a:avLst/>
@@ -11426,8 +11519,8 @@
         </p:nvSpPr>
         <p:spPr>
           <a:xfrm>
-            <a:off x="2368060" y="537677"/>
-            <a:ext cx="1961659" cy="383073"/>
+            <a:off x="2968321" y="537677"/>
+            <a:ext cx="1663267" cy="383073"/>
           </a:xfrm>
           <a:prstGeom prst="rect">
             <a:avLst/>
@@ -11484,8 +11577,8 @@
         </p:nvSpPr>
         <p:spPr>
           <a:xfrm>
-            <a:off x="4507524" y="235434"/>
-            <a:ext cx="2080846" cy="837230"/>
+            <a:off x="4824046" y="235434"/>
+            <a:ext cx="1764324" cy="837230"/>
           </a:xfrm>
           <a:prstGeom prst="rect">
             <a:avLst/>
@@ -11528,8 +11621,8 @@
         </p:nvSpPr>
         <p:spPr>
           <a:xfrm>
-            <a:off x="4566137" y="283476"/>
-            <a:ext cx="1961659" cy="212785"/>
+            <a:off x="4864529" y="283476"/>
+            <a:ext cx="1663267" cy="212785"/>
           </a:xfrm>
           <a:prstGeom prst="rect">
             <a:avLst/>
@@ -11577,8 +11670,8 @@
         </p:nvSpPr>
         <p:spPr>
           <a:xfrm>
-            <a:off x="4566137" y="537677"/>
-            <a:ext cx="1961659" cy="383073"/>
+            <a:off x="4864529" y="537677"/>
+            <a:ext cx="1663267" cy="383073"/>
           </a:xfrm>
           <a:prstGeom prst="rect">
             <a:avLst/>
@@ -11757,6 +11850,54 @@
             <a:r>
               <a:rPr lang="pt-BR" sz="1200" dirty="0"/>
               <a:t>GRÁFICO</a:t>
+            </a:r>
+            <a:endParaRPr lang="pt-BR" dirty="0"/>
+          </a:p>
+        </p:txBody>
+      </p:sp>
+      <p:sp>
+        <p:nvSpPr>
+          <p:cNvPr id="3" name="Rectangle 2">
+            <a:extLst>
+              <a:ext uri="{FF2B5EF4-FFF2-40B4-BE49-F238E27FC236}">
+                <a16:creationId xmlns:a16="http://schemas.microsoft.com/office/drawing/2014/main" id="{9B13853E-9483-7FC6-CBCE-69F1A6E8CE35}"/>
+              </a:ext>
+            </a:extLst>
+          </p:cNvPr>
+          <p:cNvSpPr/>
+          <p:nvPr/>
+        </p:nvSpPr>
+        <p:spPr>
+          <a:xfrm>
+            <a:off x="107891" y="235434"/>
+            <a:ext cx="832338" cy="837230"/>
+          </a:xfrm>
+          <a:prstGeom prst="rect">
+            <a:avLst/>
+          </a:prstGeom>
+        </p:spPr>
+        <p:style>
+          <a:lnRef idx="3">
+            <a:schemeClr val="lt1"/>
+          </a:lnRef>
+          <a:fillRef idx="1">
+            <a:schemeClr val="accent1"/>
+          </a:fillRef>
+          <a:effectRef idx="1">
+            <a:schemeClr val="accent1"/>
+          </a:effectRef>
+          <a:fontRef idx="minor">
+            <a:schemeClr val="lt1"/>
+          </a:fontRef>
+        </p:style>
+        <p:txBody>
+          <a:bodyPr rtlCol="0" anchor="ctr"/>
+          <a:lstStyle/>
+          <a:p>
+            <a:pPr algn="ctr"/>
+            <a:r>
+              <a:rPr lang="pt-BR" sz="1600" dirty="0"/>
+              <a:t>VOLTAR</a:t>
             </a:r>
             <a:endParaRPr lang="pt-BR" dirty="0"/>
           </a:p>
@@ -11806,8 +11947,8 @@
         </p:nvSpPr>
         <p:spPr>
           <a:xfrm>
-            <a:off x="111370" y="235434"/>
-            <a:ext cx="2080846" cy="837230"/>
+            <a:off x="1031630" y="235434"/>
+            <a:ext cx="1764324" cy="837230"/>
           </a:xfrm>
           <a:prstGeom prst="rect">
             <a:avLst/>
@@ -11850,8 +11991,8 @@
         </p:nvSpPr>
         <p:spPr>
           <a:xfrm>
-            <a:off x="169983" y="283476"/>
-            <a:ext cx="1961659" cy="212785"/>
+            <a:off x="1072113" y="283476"/>
+            <a:ext cx="1663267" cy="212785"/>
           </a:xfrm>
           <a:prstGeom prst="rect">
             <a:avLst/>
@@ -11899,8 +12040,8 @@
         </p:nvSpPr>
         <p:spPr>
           <a:xfrm>
-            <a:off x="169983" y="537677"/>
-            <a:ext cx="1961659" cy="383073"/>
+            <a:off x="1072113" y="537677"/>
+            <a:ext cx="1663267" cy="383073"/>
           </a:xfrm>
           <a:prstGeom prst="rect">
             <a:avLst/>
@@ -11957,8 +12098,8 @@
         </p:nvSpPr>
         <p:spPr>
           <a:xfrm>
-            <a:off x="2309447" y="235434"/>
-            <a:ext cx="2080846" cy="837230"/>
+            <a:off x="2927838" y="235434"/>
+            <a:ext cx="1764324" cy="837230"/>
           </a:xfrm>
           <a:prstGeom prst="rect">
             <a:avLst/>
@@ -12001,8 +12142,8 @@
         </p:nvSpPr>
         <p:spPr>
           <a:xfrm>
-            <a:off x="2368060" y="283476"/>
-            <a:ext cx="1961659" cy="212785"/>
+            <a:off x="2968321" y="283476"/>
+            <a:ext cx="1663267" cy="212785"/>
           </a:xfrm>
           <a:prstGeom prst="rect">
             <a:avLst/>
@@ -12050,8 +12191,8 @@
         </p:nvSpPr>
         <p:spPr>
           <a:xfrm>
-            <a:off x="2368060" y="537677"/>
-            <a:ext cx="1961659" cy="383073"/>
+            <a:off x="2968321" y="537677"/>
+            <a:ext cx="1663267" cy="383073"/>
           </a:xfrm>
           <a:prstGeom prst="rect">
             <a:avLst/>
@@ -12108,8 +12249,8 @@
         </p:nvSpPr>
         <p:spPr>
           <a:xfrm>
-            <a:off x="4507524" y="235434"/>
-            <a:ext cx="2080846" cy="837230"/>
+            <a:off x="4824046" y="235434"/>
+            <a:ext cx="1764324" cy="837230"/>
           </a:xfrm>
           <a:prstGeom prst="rect">
             <a:avLst/>
@@ -12152,8 +12293,8 @@
         </p:nvSpPr>
         <p:spPr>
           <a:xfrm>
-            <a:off x="4566137" y="283476"/>
-            <a:ext cx="1961659" cy="212785"/>
+            <a:off x="4864529" y="283476"/>
+            <a:ext cx="1663267" cy="212785"/>
           </a:xfrm>
           <a:prstGeom prst="rect">
             <a:avLst/>
@@ -12201,8 +12342,8 @@
         </p:nvSpPr>
         <p:spPr>
           <a:xfrm>
-            <a:off x="4566137" y="537677"/>
-            <a:ext cx="1961659" cy="383073"/>
+            <a:off x="4864529" y="537677"/>
+            <a:ext cx="1663267" cy="383073"/>
           </a:xfrm>
           <a:prstGeom prst="rect">
             <a:avLst/>
@@ -12247,19 +12388,113 @@
       </p:sp>
       <p:sp>
         <p:nvSpPr>
-          <p:cNvPr id="20" name="Rectangle 19">
-            <a:extLst>
-              <a:ext uri="{FF2B5EF4-FFF2-40B4-BE49-F238E27FC236}">
-                <a16:creationId xmlns:a16="http://schemas.microsoft.com/office/drawing/2014/main" id="{8172BEA8-02FF-F1AB-23AA-AFEE587D40C4}"/>
-              </a:ext>
-            </a:extLst>
-          </p:cNvPr>
-          <p:cNvSpPr/>
-          <p:nvPr/>
-        </p:nvSpPr>
-        <p:spPr>
-          <a:xfrm>
-            <a:off x="6676292" y="235434"/>
+          <p:cNvPr id="21" name="Rectangle 20">
+            <a:extLst>
+              <a:ext uri="{FF2B5EF4-FFF2-40B4-BE49-F238E27FC236}">
+                <a16:creationId xmlns:a16="http://schemas.microsoft.com/office/drawing/2014/main" id="{ED4CD6C1-9B79-56C8-1F3A-EB3066FFE1B3}"/>
+              </a:ext>
+            </a:extLst>
+          </p:cNvPr>
+          <p:cNvSpPr/>
+          <p:nvPr/>
+        </p:nvSpPr>
+        <p:spPr>
+          <a:xfrm>
+            <a:off x="111370" y="1152658"/>
+            <a:ext cx="7397260" cy="3349009"/>
+          </a:xfrm>
+          <a:prstGeom prst="rect">
+            <a:avLst/>
+          </a:prstGeom>
+        </p:spPr>
+        <p:style>
+          <a:lnRef idx="2">
+            <a:schemeClr val="accent5"/>
+          </a:lnRef>
+          <a:fillRef idx="1">
+            <a:schemeClr val="lt1"/>
+          </a:fillRef>
+          <a:effectRef idx="0">
+            <a:schemeClr val="accent5"/>
+          </a:effectRef>
+          <a:fontRef idx="minor">
+            <a:schemeClr val="dk1"/>
+          </a:fontRef>
+        </p:style>
+        <p:txBody>
+          <a:bodyPr rtlCol="0" anchor="ctr"/>
+          <a:lstStyle/>
+          <a:p>
+            <a:pPr algn="ctr"/>
+            <a:endParaRPr lang="pt-BR"/>
+          </a:p>
+        </p:txBody>
+      </p:sp>
+      <p:sp>
+        <p:nvSpPr>
+          <p:cNvPr id="22" name="Rectangle 21">
+            <a:extLst>
+              <a:ext uri="{FF2B5EF4-FFF2-40B4-BE49-F238E27FC236}">
+                <a16:creationId xmlns:a16="http://schemas.microsoft.com/office/drawing/2014/main" id="{AC8A19B1-B413-531E-935C-D376B7D10974}"/>
+              </a:ext>
+            </a:extLst>
+          </p:cNvPr>
+          <p:cNvSpPr/>
+          <p:nvPr/>
+        </p:nvSpPr>
+        <p:spPr>
+          <a:xfrm>
+            <a:off x="0" y="0"/>
+            <a:ext cx="7620000" cy="184640"/>
+          </a:xfrm>
+          <a:prstGeom prst="rect">
+            <a:avLst/>
+          </a:prstGeom>
+        </p:spPr>
+        <p:style>
+          <a:lnRef idx="2">
+            <a:schemeClr val="accent1">
+              <a:shade val="15000"/>
+            </a:schemeClr>
+          </a:lnRef>
+          <a:fillRef idx="1">
+            <a:schemeClr val="accent1"/>
+          </a:fillRef>
+          <a:effectRef idx="0">
+            <a:schemeClr val="accent1"/>
+          </a:effectRef>
+          <a:fontRef idx="minor">
+            <a:schemeClr val="lt1"/>
+          </a:fontRef>
+        </p:style>
+        <p:txBody>
+          <a:bodyPr rtlCol="0" anchor="ctr"/>
+          <a:lstStyle/>
+          <a:p>
+            <a:pPr algn="ctr"/>
+            <a:r>
+              <a:rPr lang="pt-BR" sz="1200" dirty="0"/>
+              <a:t>GRÁFICO</a:t>
+            </a:r>
+            <a:endParaRPr lang="pt-BR" dirty="0"/>
+          </a:p>
+        </p:txBody>
+      </p:sp>
+      <p:sp>
+        <p:nvSpPr>
+          <p:cNvPr id="3" name="Rectangle 2">
+            <a:extLst>
+              <a:ext uri="{FF2B5EF4-FFF2-40B4-BE49-F238E27FC236}">
+                <a16:creationId xmlns:a16="http://schemas.microsoft.com/office/drawing/2014/main" id="{DE0F16B7-807A-0B72-0696-AB1441D27F4A}"/>
+              </a:ext>
+            </a:extLst>
+          </p:cNvPr>
+          <p:cNvSpPr/>
+          <p:nvPr/>
+        </p:nvSpPr>
+        <p:spPr>
+          <a:xfrm>
+            <a:off x="6676292" y="235432"/>
             <a:ext cx="832338" cy="837230"/>
           </a:xfrm>
           <a:prstGeom prst="rect">
@@ -12321,102 +12556,82 @@
       </p:sp>
       <p:sp>
         <p:nvSpPr>
-          <p:cNvPr id="21" name="Rectangle 20">
-            <a:extLst>
-              <a:ext uri="{FF2B5EF4-FFF2-40B4-BE49-F238E27FC236}">
-                <a16:creationId xmlns:a16="http://schemas.microsoft.com/office/drawing/2014/main" id="{ED4CD6C1-9B79-56C8-1F3A-EB3066FFE1B3}"/>
-              </a:ext>
-            </a:extLst>
-          </p:cNvPr>
-          <p:cNvSpPr/>
-          <p:nvPr/>
-        </p:nvSpPr>
-        <p:spPr>
-          <a:xfrm>
-            <a:off x="111370" y="1152658"/>
-            <a:ext cx="7397260" cy="3349009"/>
-          </a:xfrm>
-          <a:prstGeom prst="rect">
-            <a:avLst/>
-          </a:prstGeom>
-        </p:spPr>
-        <p:style>
-          <a:lnRef idx="2">
-            <a:schemeClr val="accent5"/>
+          <p:cNvPr id="7" name="Rectangle 6">
+            <a:extLst>
+              <a:ext uri="{FF2B5EF4-FFF2-40B4-BE49-F238E27FC236}">
+                <a16:creationId xmlns:a16="http://schemas.microsoft.com/office/drawing/2014/main" id="{09E823F3-56BC-F7E0-7B36-96AA679B1FDA}"/>
+              </a:ext>
+            </a:extLst>
+          </p:cNvPr>
+          <p:cNvSpPr/>
+          <p:nvPr/>
+        </p:nvSpPr>
+        <p:spPr>
+          <a:xfrm>
+            <a:off x="107891" y="235432"/>
+            <a:ext cx="832338" cy="837230"/>
+          </a:xfrm>
+          <a:prstGeom prst="rect">
+            <a:avLst/>
+          </a:prstGeom>
+          <a:gradFill>
+            <a:gsLst>
+              <a:gs pos="0">
+                <a:schemeClr val="accent1">
+                  <a:lumMod val="60000"/>
+                  <a:lumOff val="40000"/>
+                </a:schemeClr>
+              </a:gs>
+              <a:gs pos="50000">
+                <a:schemeClr val="accent5">
+                  <a:lumMod val="40000"/>
+                  <a:lumOff val="60000"/>
+                </a:schemeClr>
+              </a:gs>
+              <a:gs pos="7350">
+                <a:schemeClr val="accent5">
+                  <a:lumMod val="75000"/>
+                </a:schemeClr>
+              </a:gs>
+              <a:gs pos="100000">
+                <a:schemeClr val="accent1">
+                  <a:lumMod val="75000"/>
+                </a:schemeClr>
+              </a:gs>
+            </a:gsLst>
+            <a:lin ang="5400000" scaled="0"/>
+          </a:gradFill>
+        </p:spPr>
+        <p:style>
+          <a:lnRef idx="3">
+            <a:schemeClr val="lt1"/>
           </a:lnRef>
           <a:fillRef idx="1">
-            <a:schemeClr val="lt1"/>
-          </a:fillRef>
-          <a:effectRef idx="0">
-            <a:schemeClr val="accent5"/>
-          </a:effectRef>
-          <a:fontRef idx="minor">
-            <a:schemeClr val="dk1"/>
-          </a:fontRef>
-        </p:style>
-        <p:txBody>
-          <a:bodyPr rtlCol="0" anchor="ctr"/>
-          <a:lstStyle/>
-          <a:p>
-            <a:pPr algn="ctr"/>
-            <a:endParaRPr lang="pt-BR"/>
-          </a:p>
-        </p:txBody>
-      </p:sp>
-      <p:sp>
-        <p:nvSpPr>
-          <p:cNvPr id="22" name="Rectangle 21">
-            <a:extLst>
-              <a:ext uri="{FF2B5EF4-FFF2-40B4-BE49-F238E27FC236}">
-                <a16:creationId xmlns:a16="http://schemas.microsoft.com/office/drawing/2014/main" id="{AC8A19B1-B413-531E-935C-D376B7D10974}"/>
-              </a:ext>
-            </a:extLst>
-          </p:cNvPr>
-          <p:cNvSpPr/>
-          <p:nvPr/>
-        </p:nvSpPr>
-        <p:spPr>
-          <a:xfrm>
-            <a:off x="0" y="0"/>
-            <a:ext cx="7620000" cy="184640"/>
-          </a:xfrm>
-          <a:prstGeom prst="rect">
-            <a:avLst/>
-          </a:prstGeom>
-        </p:spPr>
-        <p:style>
-          <a:lnRef idx="2">
-            <a:schemeClr val="accent1">
-              <a:shade val="15000"/>
-            </a:schemeClr>
-          </a:lnRef>
-          <a:fillRef idx="1">
-            <a:schemeClr val="accent1"/>
-          </a:fillRef>
-          <a:effectRef idx="0">
-            <a:schemeClr val="accent1"/>
-          </a:effectRef>
-          <a:fontRef idx="minor">
-            <a:schemeClr val="lt1"/>
-          </a:fontRef>
-        </p:style>
-        <p:txBody>
-          <a:bodyPr rtlCol="0" anchor="ctr"/>
-          <a:lstStyle/>
-          <a:p>
-            <a:pPr algn="ctr"/>
-            <a:r>
-              <a:rPr lang="pt-BR" sz="1200" dirty="0"/>
-              <a:t>GRÁFICO</a:t>
-            </a:r>
-            <a:endParaRPr lang="pt-BR" dirty="0"/>
+            <a:schemeClr val="accent1"/>
+          </a:fillRef>
+          <a:effectRef idx="1">
+            <a:schemeClr val="accent1"/>
+          </a:effectRef>
+          <a:fontRef idx="minor">
+            <a:schemeClr val="lt1"/>
+          </a:fontRef>
+        </p:style>
+        <p:txBody>
+          <a:bodyPr rtlCol="0" anchor="ctr"/>
+          <a:lstStyle/>
+          <a:p>
+            <a:pPr algn="ctr"/>
+            <a:r>
+              <a:rPr lang="pt-BR" sz="1600" dirty="0"/>
+              <a:t>VOLTAR</a:t>
+            </a:r>
           </a:p>
         </p:txBody>
       </p:sp>
     </p:spTree>
     <p:extLst>
       <p:ext uri="{BB962C8B-B14F-4D97-AF65-F5344CB8AC3E}">
-        <p14:creationId xmlns:p14="http://schemas.microsoft.com/office/powerpoint/2010/main" val="1561318485"/>
+        <p14:creationId xmlns:p14="http://schemas.microsoft.com/office/powerpoint/2010/main" val="2690354998"/>
       </p:ext>
     </p:extLst>
   </p:cSld>

--- a/Nextion/Telas/Telas.pptx
+++ b/Nextion/Telas/Telas.pptx
@@ -255,7 +255,7 @@
           <a:p>
             <a:fld id="{2088E2CC-E3CD-4EEA-8B59-91420F408F85}" type="datetimeFigureOut">
               <a:rPr lang="pt-BR" smtClean="0"/>
-              <a:t>17/08/2023</a:t>
+              <a:t>23/08/2023</a:t>
             </a:fld>
             <a:endParaRPr lang="pt-BR"/>
           </a:p>
@@ -425,7 +425,7 @@
           <a:p>
             <a:fld id="{2088E2CC-E3CD-4EEA-8B59-91420F408F85}" type="datetimeFigureOut">
               <a:rPr lang="pt-BR" smtClean="0"/>
-              <a:t>17/08/2023</a:t>
+              <a:t>23/08/2023</a:t>
             </a:fld>
             <a:endParaRPr lang="pt-BR"/>
           </a:p>
@@ -605,7 +605,7 @@
           <a:p>
             <a:fld id="{2088E2CC-E3CD-4EEA-8B59-91420F408F85}" type="datetimeFigureOut">
               <a:rPr lang="pt-BR" smtClean="0"/>
-              <a:t>17/08/2023</a:t>
+              <a:t>23/08/2023</a:t>
             </a:fld>
             <a:endParaRPr lang="pt-BR"/>
           </a:p>
@@ -775,7 +775,7 @@
           <a:p>
             <a:fld id="{2088E2CC-E3CD-4EEA-8B59-91420F408F85}" type="datetimeFigureOut">
               <a:rPr lang="pt-BR" smtClean="0"/>
-              <a:t>17/08/2023</a:t>
+              <a:t>23/08/2023</a:t>
             </a:fld>
             <a:endParaRPr lang="pt-BR"/>
           </a:p>
@@ -1021,7 +1021,7 @@
           <a:p>
             <a:fld id="{2088E2CC-E3CD-4EEA-8B59-91420F408F85}" type="datetimeFigureOut">
               <a:rPr lang="pt-BR" smtClean="0"/>
-              <a:t>17/08/2023</a:t>
+              <a:t>23/08/2023</a:t>
             </a:fld>
             <a:endParaRPr lang="pt-BR"/>
           </a:p>
@@ -1253,7 +1253,7 @@
           <a:p>
             <a:fld id="{2088E2CC-E3CD-4EEA-8B59-91420F408F85}" type="datetimeFigureOut">
               <a:rPr lang="pt-BR" smtClean="0"/>
-              <a:t>17/08/2023</a:t>
+              <a:t>23/08/2023</a:t>
             </a:fld>
             <a:endParaRPr lang="pt-BR"/>
           </a:p>
@@ -1620,7 +1620,7 @@
           <a:p>
             <a:fld id="{2088E2CC-E3CD-4EEA-8B59-91420F408F85}" type="datetimeFigureOut">
               <a:rPr lang="pt-BR" smtClean="0"/>
-              <a:t>17/08/2023</a:t>
+              <a:t>23/08/2023</a:t>
             </a:fld>
             <a:endParaRPr lang="pt-BR"/>
           </a:p>
@@ -1738,7 +1738,7 @@
           <a:p>
             <a:fld id="{2088E2CC-E3CD-4EEA-8B59-91420F408F85}" type="datetimeFigureOut">
               <a:rPr lang="pt-BR" smtClean="0"/>
-              <a:t>17/08/2023</a:t>
+              <a:t>23/08/2023</a:t>
             </a:fld>
             <a:endParaRPr lang="pt-BR"/>
           </a:p>
@@ -1833,7 +1833,7 @@
           <a:p>
             <a:fld id="{2088E2CC-E3CD-4EEA-8B59-91420F408F85}" type="datetimeFigureOut">
               <a:rPr lang="pt-BR" smtClean="0"/>
-              <a:t>17/08/2023</a:t>
+              <a:t>23/08/2023</a:t>
             </a:fld>
             <a:endParaRPr lang="pt-BR"/>
           </a:p>
@@ -2110,7 +2110,7 @@
           <a:p>
             <a:fld id="{2088E2CC-E3CD-4EEA-8B59-91420F408F85}" type="datetimeFigureOut">
               <a:rPr lang="pt-BR" smtClean="0"/>
-              <a:t>17/08/2023</a:t>
+              <a:t>23/08/2023</a:t>
             </a:fld>
             <a:endParaRPr lang="pt-BR"/>
           </a:p>
@@ -2367,7 +2367,7 @@
           <a:p>
             <a:fld id="{2088E2CC-E3CD-4EEA-8B59-91420F408F85}" type="datetimeFigureOut">
               <a:rPr lang="pt-BR" smtClean="0"/>
-              <a:t>17/08/2023</a:t>
+              <a:t>23/08/2023</a:t>
             </a:fld>
             <a:endParaRPr lang="pt-BR"/>
           </a:p>
@@ -2580,7 +2580,7 @@
           <a:p>
             <a:fld id="{2088E2CC-E3CD-4EEA-8B59-91420F408F85}" type="datetimeFigureOut">
               <a:rPr lang="pt-BR" smtClean="0"/>
-              <a:t>17/08/2023</a:t>
+              <a:t>23/08/2023</a:t>
             </a:fld>
             <a:endParaRPr lang="pt-BR"/>
           </a:p>
@@ -5132,7 +5132,7 @@
             <a:pPr algn="ctr"/>
             <a:r>
               <a:rPr lang="pt-BR" dirty="0"/>
-              <a:t>Velocidade Máxima</a:t>
+              <a:t>Unidade de medida </a:t>
             </a:r>
           </a:p>
         </p:txBody>
@@ -5302,9 +5302,20 @@
           <a:p>
             <a:pPr algn="ctr"/>
             <a:r>
-              <a:rPr lang="pt-BR" dirty="0"/>
-              <a:t>Unidade de medida</a:t>
-            </a:r>
+              <a:rPr lang="pt-BR" sz="1800" kern="1200" dirty="0">
+                <a:solidFill>
+                  <a:srgbClr val="FFFFFF"/>
+                </a:solidFill>
+                <a:effectLst/>
+                <a:latin typeface="Calibri" panose="020F0502020204030204" pitchFamily="34" charset="0"/>
+                <a:ea typeface="+mn-ea"/>
+                <a:cs typeface="+mn-cs"/>
+              </a:rPr>
+              <a:t>Velocidade Máxima</a:t>
+            </a:r>
+            <a:endParaRPr lang="pt-BR" dirty="0">
+              <a:effectLst/>
+            </a:endParaRPr>
           </a:p>
         </p:txBody>
       </p:sp>

--- a/Nextion/Telas/Telas.pptx
+++ b/Nextion/Telas/Telas.pptx
@@ -18,6 +18,7 @@
     <p:sldId id="266" r:id="rId12"/>
     <p:sldId id="267" r:id="rId13"/>
     <p:sldId id="268" r:id="rId14"/>
+    <p:sldId id="273" r:id="rId15"/>
   </p:sldIdLst>
   <p:sldSz cx="7620000" cy="4572000"/>
   <p:notesSz cx="6858000" cy="9144000"/>
@@ -255,7 +256,7 @@
           <a:p>
             <a:fld id="{2088E2CC-E3CD-4EEA-8B59-91420F408F85}" type="datetimeFigureOut">
               <a:rPr lang="pt-BR" smtClean="0"/>
-              <a:t>23/08/2023</a:t>
+              <a:t>25/08/2023</a:t>
             </a:fld>
             <a:endParaRPr lang="pt-BR"/>
           </a:p>
@@ -425,7 +426,7 @@
           <a:p>
             <a:fld id="{2088E2CC-E3CD-4EEA-8B59-91420F408F85}" type="datetimeFigureOut">
               <a:rPr lang="pt-BR" smtClean="0"/>
-              <a:t>23/08/2023</a:t>
+              <a:t>25/08/2023</a:t>
             </a:fld>
             <a:endParaRPr lang="pt-BR"/>
           </a:p>
@@ -605,7 +606,7 @@
           <a:p>
             <a:fld id="{2088E2CC-E3CD-4EEA-8B59-91420F408F85}" type="datetimeFigureOut">
               <a:rPr lang="pt-BR" smtClean="0"/>
-              <a:t>23/08/2023</a:t>
+              <a:t>25/08/2023</a:t>
             </a:fld>
             <a:endParaRPr lang="pt-BR"/>
           </a:p>
@@ -775,7 +776,7 @@
           <a:p>
             <a:fld id="{2088E2CC-E3CD-4EEA-8B59-91420F408F85}" type="datetimeFigureOut">
               <a:rPr lang="pt-BR" smtClean="0"/>
-              <a:t>23/08/2023</a:t>
+              <a:t>25/08/2023</a:t>
             </a:fld>
             <a:endParaRPr lang="pt-BR"/>
           </a:p>
@@ -1021,7 +1022,7 @@
           <a:p>
             <a:fld id="{2088E2CC-E3CD-4EEA-8B59-91420F408F85}" type="datetimeFigureOut">
               <a:rPr lang="pt-BR" smtClean="0"/>
-              <a:t>23/08/2023</a:t>
+              <a:t>25/08/2023</a:t>
             </a:fld>
             <a:endParaRPr lang="pt-BR"/>
           </a:p>
@@ -1253,7 +1254,7 @@
           <a:p>
             <a:fld id="{2088E2CC-E3CD-4EEA-8B59-91420F408F85}" type="datetimeFigureOut">
               <a:rPr lang="pt-BR" smtClean="0"/>
-              <a:t>23/08/2023</a:t>
+              <a:t>25/08/2023</a:t>
             </a:fld>
             <a:endParaRPr lang="pt-BR"/>
           </a:p>
@@ -1620,7 +1621,7 @@
           <a:p>
             <a:fld id="{2088E2CC-E3CD-4EEA-8B59-91420F408F85}" type="datetimeFigureOut">
               <a:rPr lang="pt-BR" smtClean="0"/>
-              <a:t>23/08/2023</a:t>
+              <a:t>25/08/2023</a:t>
             </a:fld>
             <a:endParaRPr lang="pt-BR"/>
           </a:p>
@@ -1738,7 +1739,7 @@
           <a:p>
             <a:fld id="{2088E2CC-E3CD-4EEA-8B59-91420F408F85}" type="datetimeFigureOut">
               <a:rPr lang="pt-BR" smtClean="0"/>
-              <a:t>23/08/2023</a:t>
+              <a:t>25/08/2023</a:t>
             </a:fld>
             <a:endParaRPr lang="pt-BR"/>
           </a:p>
@@ -1833,7 +1834,7 @@
           <a:p>
             <a:fld id="{2088E2CC-E3CD-4EEA-8B59-91420F408F85}" type="datetimeFigureOut">
               <a:rPr lang="pt-BR" smtClean="0"/>
-              <a:t>23/08/2023</a:t>
+              <a:t>25/08/2023</a:t>
             </a:fld>
             <a:endParaRPr lang="pt-BR"/>
           </a:p>
@@ -2110,7 +2111,7 @@
           <a:p>
             <a:fld id="{2088E2CC-E3CD-4EEA-8B59-91420F408F85}" type="datetimeFigureOut">
               <a:rPr lang="pt-BR" smtClean="0"/>
-              <a:t>23/08/2023</a:t>
+              <a:t>25/08/2023</a:t>
             </a:fld>
             <a:endParaRPr lang="pt-BR"/>
           </a:p>
@@ -2367,7 +2368,7 @@
           <a:p>
             <a:fld id="{2088E2CC-E3CD-4EEA-8B59-91420F408F85}" type="datetimeFigureOut">
               <a:rPr lang="pt-BR" smtClean="0"/>
-              <a:t>23/08/2023</a:t>
+              <a:t>25/08/2023</a:t>
             </a:fld>
             <a:endParaRPr lang="pt-BR"/>
           </a:p>
@@ -2580,7 +2581,7 @@
           <a:p>
             <a:fld id="{2088E2CC-E3CD-4EEA-8B59-91420F408F85}" type="datetimeFigureOut">
               <a:rPr lang="pt-BR" smtClean="0"/>
-              <a:t>23/08/2023</a:t>
+              <a:t>25/08/2023</a:t>
             </a:fld>
             <a:endParaRPr lang="pt-BR"/>
           </a:p>
@@ -6077,6 +6078,492 @@
 </p:sld>
 </file>
 
+<file path=ppt/slides/slide14.xml><?xml version="1.0" encoding="utf-8"?>
+<p:sld xmlns:a="http://schemas.openxmlformats.org/drawingml/2006/main" xmlns:r="http://schemas.openxmlformats.org/officeDocument/2006/relationships" xmlns:p="http://schemas.openxmlformats.org/presentationml/2006/main">
+  <p:cSld>
+    <p:spTree>
+      <p:nvGrpSpPr>
+        <p:cNvPr id="1" name=""/>
+        <p:cNvGrpSpPr/>
+        <p:nvPr/>
+      </p:nvGrpSpPr>
+      <p:grpSpPr>
+        <a:xfrm>
+          <a:off x="0" y="0"/>
+          <a:ext cx="0" cy="0"/>
+          <a:chOff x="0" y="0"/>
+          <a:chExt cx="0" cy="0"/>
+        </a:xfrm>
+      </p:grpSpPr>
+      <p:sp>
+        <p:nvSpPr>
+          <p:cNvPr id="5" name="Rectangle 4">
+            <a:extLst>
+              <a:ext uri="{FF2B5EF4-FFF2-40B4-BE49-F238E27FC236}">
+                <a16:creationId xmlns:a16="http://schemas.microsoft.com/office/drawing/2014/main" id="{1D2B2DA8-235C-226B-9992-EE4DFAB972E6}"/>
+              </a:ext>
+            </a:extLst>
+          </p:cNvPr>
+          <p:cNvSpPr/>
+          <p:nvPr/>
+        </p:nvSpPr>
+        <p:spPr>
+          <a:xfrm>
+            <a:off x="1732084" y="251731"/>
+            <a:ext cx="1975339" cy="589138"/>
+          </a:xfrm>
+          <a:prstGeom prst="rect">
+            <a:avLst/>
+          </a:prstGeom>
+        </p:spPr>
+        <p:style>
+          <a:lnRef idx="2">
+            <a:schemeClr val="accent1">
+              <a:shade val="15000"/>
+            </a:schemeClr>
+          </a:lnRef>
+          <a:fillRef idx="1">
+            <a:schemeClr val="accent1"/>
+          </a:fillRef>
+          <a:effectRef idx="0">
+            <a:schemeClr val="accent1"/>
+          </a:effectRef>
+          <a:fontRef idx="minor">
+            <a:schemeClr val="lt1"/>
+          </a:fontRef>
+        </p:style>
+        <p:txBody>
+          <a:bodyPr rtlCol="0" anchor="ctr"/>
+          <a:lstStyle/>
+          <a:p>
+            <a:pPr algn="ctr"/>
+            <a:r>
+              <a:rPr lang="pt-BR" dirty="0"/>
+              <a:t>Firmware</a:t>
+            </a:r>
+          </a:p>
+        </p:txBody>
+      </p:sp>
+      <p:sp>
+        <p:nvSpPr>
+          <p:cNvPr id="14" name="Rectangle 13">
+            <a:extLst>
+              <a:ext uri="{FF2B5EF4-FFF2-40B4-BE49-F238E27FC236}">
+                <a16:creationId xmlns:a16="http://schemas.microsoft.com/office/drawing/2014/main" id="{AF293CA9-A2E6-2809-29A8-65422CC21045}"/>
+              </a:ext>
+            </a:extLst>
+          </p:cNvPr>
+          <p:cNvSpPr/>
+          <p:nvPr/>
+        </p:nvSpPr>
+        <p:spPr>
+          <a:xfrm>
+            <a:off x="1732084" y="2063262"/>
+            <a:ext cx="4325816" cy="1817172"/>
+          </a:xfrm>
+          <a:prstGeom prst="rect">
+            <a:avLst/>
+          </a:prstGeom>
+        </p:spPr>
+        <p:style>
+          <a:lnRef idx="2">
+            <a:schemeClr val="accent1">
+              <a:shade val="15000"/>
+            </a:schemeClr>
+          </a:lnRef>
+          <a:fillRef idx="1">
+            <a:schemeClr val="accent1"/>
+          </a:fillRef>
+          <a:effectRef idx="0">
+            <a:schemeClr val="accent1"/>
+          </a:effectRef>
+          <a:fontRef idx="minor">
+            <a:schemeClr val="lt1"/>
+          </a:fontRef>
+        </p:style>
+        <p:txBody>
+          <a:bodyPr rtlCol="0" anchor="ctr"/>
+          <a:lstStyle/>
+          <a:p>
+            <a:pPr algn="ctr"/>
+            <a:r>
+              <a:rPr lang="pt-BR" sz="1600" dirty="0" err="1"/>
+              <a:t>Releaser</a:t>
+            </a:r>
+            <a:r>
+              <a:rPr lang="pt-BR" sz="1600" dirty="0"/>
+              <a:t> </a:t>
+            </a:r>
+            <a:r>
+              <a:rPr lang="pt-BR" sz="1600" dirty="0" err="1"/>
+              <a:t>Tester</a:t>
+            </a:r>
+            <a:r>
+              <a:rPr lang="pt-BR" sz="1600" dirty="0"/>
+              <a:t> é um produto </a:t>
+            </a:r>
+            <a:r>
+              <a:rPr lang="pt-BR" sz="1600" dirty="0" err="1"/>
+              <a:t>ARClad</a:t>
+            </a:r>
+            <a:r>
+              <a:rPr lang="pt-BR" sz="1600" dirty="0"/>
+              <a:t>® desenvolvido por </a:t>
+            </a:r>
+            <a:r>
+              <a:rPr lang="pt-BR" sz="1600" dirty="0" err="1"/>
+              <a:t>Bobsien</a:t>
+            </a:r>
+            <a:r>
+              <a:rPr lang="pt-BR" sz="1600" dirty="0"/>
+              <a:t>® P&amp;D.</a:t>
+            </a:r>
+          </a:p>
+          <a:p>
+            <a:pPr algn="ctr"/>
+            <a:endParaRPr lang="pt-BR" sz="1600" dirty="0"/>
+          </a:p>
+          <a:p>
+            <a:pPr algn="ctr"/>
+            <a:r>
+              <a:rPr lang="pt-BR" sz="1600" b="1" dirty="0">
+                <a:solidFill>
+                  <a:schemeClr val="tx1"/>
+                </a:solidFill>
+              </a:rPr>
+              <a:t>Informações de contato</a:t>
+            </a:r>
+          </a:p>
+          <a:p>
+            <a:pPr algn="ctr"/>
+            <a:endParaRPr lang="pt-BR" sz="1600" b="1" dirty="0">
+              <a:solidFill>
+                <a:schemeClr val="tx1"/>
+              </a:solidFill>
+            </a:endParaRPr>
+          </a:p>
+          <a:p>
+            <a:pPr algn="ctr"/>
+            <a:endParaRPr lang="pt-BR" sz="1600" b="1" dirty="0">
+              <a:solidFill>
+                <a:schemeClr val="tx1"/>
+              </a:solidFill>
+            </a:endParaRPr>
+          </a:p>
+          <a:p>
+            <a:endParaRPr lang="pt-BR" sz="1600" b="1" dirty="0">
+              <a:solidFill>
+                <a:schemeClr val="tx1"/>
+              </a:solidFill>
+            </a:endParaRPr>
+          </a:p>
+        </p:txBody>
+      </p:sp>
+      <p:sp>
+        <p:nvSpPr>
+          <p:cNvPr id="27" name="Rectangle 26">
+            <a:extLst>
+              <a:ext uri="{FF2B5EF4-FFF2-40B4-BE49-F238E27FC236}">
+                <a16:creationId xmlns:a16="http://schemas.microsoft.com/office/drawing/2014/main" id="{14B6417D-FFCF-9C20-AB62-E7C77AF0E41E}"/>
+              </a:ext>
+            </a:extLst>
+          </p:cNvPr>
+          <p:cNvSpPr/>
+          <p:nvPr/>
+        </p:nvSpPr>
+        <p:spPr>
+          <a:xfrm>
+            <a:off x="3707420" y="251731"/>
+            <a:ext cx="2350480" cy="589137"/>
+          </a:xfrm>
+          <a:prstGeom prst="rect">
+            <a:avLst/>
+          </a:prstGeom>
+        </p:spPr>
+        <p:style>
+          <a:lnRef idx="2">
+            <a:schemeClr val="accent1"/>
+          </a:lnRef>
+          <a:fillRef idx="1">
+            <a:schemeClr val="lt1"/>
+          </a:fillRef>
+          <a:effectRef idx="0">
+            <a:schemeClr val="accent1"/>
+          </a:effectRef>
+          <a:fontRef idx="minor">
+            <a:schemeClr val="dk1"/>
+          </a:fontRef>
+        </p:style>
+        <p:txBody>
+          <a:bodyPr rtlCol="0" anchor="ctr"/>
+          <a:lstStyle/>
+          <a:p>
+            <a:pPr algn="ctr"/>
+            <a:endParaRPr lang="pt-BR"/>
+          </a:p>
+        </p:txBody>
+      </p:sp>
+      <p:sp>
+        <p:nvSpPr>
+          <p:cNvPr id="33" name="Rectangle 32">
+            <a:extLst>
+              <a:ext uri="{FF2B5EF4-FFF2-40B4-BE49-F238E27FC236}">
+                <a16:creationId xmlns:a16="http://schemas.microsoft.com/office/drawing/2014/main" id="{62B18EFE-51EC-65B9-D571-74DAF38AB63A}"/>
+              </a:ext>
+            </a:extLst>
+          </p:cNvPr>
+          <p:cNvSpPr/>
+          <p:nvPr/>
+        </p:nvSpPr>
+        <p:spPr>
+          <a:xfrm>
+            <a:off x="0" y="0"/>
+            <a:ext cx="7620000" cy="184640"/>
+          </a:xfrm>
+          <a:prstGeom prst="rect">
+            <a:avLst/>
+          </a:prstGeom>
+        </p:spPr>
+        <p:style>
+          <a:lnRef idx="2">
+            <a:schemeClr val="accent1">
+              <a:shade val="15000"/>
+            </a:schemeClr>
+          </a:lnRef>
+          <a:fillRef idx="1">
+            <a:schemeClr val="accent1"/>
+          </a:fillRef>
+          <a:effectRef idx="0">
+            <a:schemeClr val="accent1"/>
+          </a:effectRef>
+          <a:fontRef idx="minor">
+            <a:schemeClr val="lt1"/>
+          </a:fontRef>
+        </p:style>
+        <p:txBody>
+          <a:bodyPr rtlCol="0" anchor="ctr"/>
+          <a:lstStyle/>
+          <a:p>
+            <a:pPr algn="ctr"/>
+            <a:r>
+              <a:rPr lang="pt-BR" dirty="0"/>
+              <a:t>SOBRE</a:t>
+            </a:r>
+          </a:p>
+        </p:txBody>
+      </p:sp>
+      <p:sp>
+        <p:nvSpPr>
+          <p:cNvPr id="34" name="Rectangle 33">
+            <a:extLst>
+              <a:ext uri="{FF2B5EF4-FFF2-40B4-BE49-F238E27FC236}">
+                <a16:creationId xmlns:a16="http://schemas.microsoft.com/office/drawing/2014/main" id="{99A215AE-B61D-3156-9393-DEA334538B6A}"/>
+              </a:ext>
+            </a:extLst>
+          </p:cNvPr>
+          <p:cNvSpPr/>
+          <p:nvPr/>
+        </p:nvSpPr>
+        <p:spPr>
+          <a:xfrm>
+            <a:off x="6057900" y="4146550"/>
+            <a:ext cx="1562100" cy="425450"/>
+          </a:xfrm>
+          <a:prstGeom prst="rect">
+            <a:avLst/>
+          </a:prstGeom>
+          <a:gradFill>
+            <a:gsLst>
+              <a:gs pos="0">
+                <a:schemeClr val="accent5">
+                  <a:lumMod val="75000"/>
+                </a:schemeClr>
+              </a:gs>
+              <a:gs pos="50000">
+                <a:schemeClr val="accent5">
+                  <a:lumMod val="60000"/>
+                  <a:lumOff val="40000"/>
+                </a:schemeClr>
+              </a:gs>
+              <a:gs pos="100000">
+                <a:schemeClr val="accent5">
+                  <a:lumMod val="75000"/>
+                </a:schemeClr>
+              </a:gs>
+            </a:gsLst>
+            <a:lin ang="5400000" scaled="0"/>
+          </a:gradFill>
+        </p:spPr>
+        <p:style>
+          <a:lnRef idx="2">
+            <a:schemeClr val="accent1">
+              <a:shade val="15000"/>
+            </a:schemeClr>
+          </a:lnRef>
+          <a:fillRef idx="1">
+            <a:schemeClr val="accent1"/>
+          </a:fillRef>
+          <a:effectRef idx="0">
+            <a:schemeClr val="accent1"/>
+          </a:effectRef>
+          <a:fontRef idx="minor">
+            <a:schemeClr val="lt1"/>
+          </a:fontRef>
+        </p:style>
+        <p:txBody>
+          <a:bodyPr rtlCol="0" anchor="ctr"/>
+          <a:lstStyle/>
+          <a:p>
+            <a:pPr algn="ctr"/>
+            <a:r>
+              <a:rPr lang="pt-BR" dirty="0"/>
+              <a:t>VOLTAR</a:t>
+            </a:r>
+          </a:p>
+        </p:txBody>
+      </p:sp>
+      <p:pic>
+        <p:nvPicPr>
+          <p:cNvPr id="3" name="Picture 2" descr="A logo with green text&#10;&#10;Description automatically generated">
+            <a:extLst>
+              <a:ext uri="{FF2B5EF4-FFF2-40B4-BE49-F238E27FC236}">
+                <a16:creationId xmlns:a16="http://schemas.microsoft.com/office/drawing/2014/main" id="{62792DB3-3439-B039-0A82-1B5822A6CC1A}"/>
+              </a:ext>
+            </a:extLst>
+          </p:cNvPr>
+          <p:cNvPicPr>
+            <a:picLocks noChangeAspect="1"/>
+          </p:cNvPicPr>
+          <p:nvPr/>
+        </p:nvPicPr>
+        <p:blipFill>
+          <a:blip r:embed="rId2">
+            <a:extLst>
+              <a:ext uri="{28A0092B-C50C-407E-A947-70E740481C1C}">
+                <a14:useLocalDpi xmlns:a14="http://schemas.microsoft.com/office/drawing/2010/main" val="0"/>
+              </a:ext>
+            </a:extLst>
+          </a:blip>
+          <a:stretch>
+            <a:fillRect/>
+          </a:stretch>
+        </p:blipFill>
+        <p:spPr>
+          <a:xfrm>
+            <a:off x="4149969" y="3303632"/>
+            <a:ext cx="1787770" cy="468395"/>
+          </a:xfrm>
+          <a:prstGeom prst="rect">
+            <a:avLst/>
+          </a:prstGeom>
+        </p:spPr>
+      </p:pic>
+      <p:sp>
+        <p:nvSpPr>
+          <p:cNvPr id="4" name="Rectangle 3">
+            <a:extLst>
+              <a:ext uri="{FF2B5EF4-FFF2-40B4-BE49-F238E27FC236}">
+                <a16:creationId xmlns:a16="http://schemas.microsoft.com/office/drawing/2014/main" id="{9D46CDEA-85C5-1730-FAC9-7CB13DD6B551}"/>
+              </a:ext>
+            </a:extLst>
+          </p:cNvPr>
+          <p:cNvSpPr/>
+          <p:nvPr/>
+        </p:nvSpPr>
+        <p:spPr>
+          <a:xfrm>
+            <a:off x="1732084" y="969980"/>
+            <a:ext cx="1975339" cy="589138"/>
+          </a:xfrm>
+          <a:prstGeom prst="rect">
+            <a:avLst/>
+          </a:prstGeom>
+        </p:spPr>
+        <p:style>
+          <a:lnRef idx="2">
+            <a:schemeClr val="accent1">
+              <a:shade val="15000"/>
+            </a:schemeClr>
+          </a:lnRef>
+          <a:fillRef idx="1">
+            <a:schemeClr val="accent1"/>
+          </a:fillRef>
+          <a:effectRef idx="0">
+            <a:schemeClr val="accent1"/>
+          </a:effectRef>
+          <a:fontRef idx="minor">
+            <a:schemeClr val="lt1"/>
+          </a:fontRef>
+        </p:style>
+        <p:txBody>
+          <a:bodyPr rtlCol="0" anchor="ctr"/>
+          <a:lstStyle/>
+          <a:p>
+            <a:pPr algn="ctr"/>
+            <a:r>
+              <a:rPr lang="pt-BR" dirty="0"/>
+              <a:t>SN</a:t>
+            </a:r>
+          </a:p>
+        </p:txBody>
+      </p:sp>
+      <p:sp>
+        <p:nvSpPr>
+          <p:cNvPr id="6" name="Rectangle 5">
+            <a:extLst>
+              <a:ext uri="{FF2B5EF4-FFF2-40B4-BE49-F238E27FC236}">
+                <a16:creationId xmlns:a16="http://schemas.microsoft.com/office/drawing/2014/main" id="{15BBD959-9E5B-BF9D-D705-14A769E83A78}"/>
+              </a:ext>
+            </a:extLst>
+          </p:cNvPr>
+          <p:cNvSpPr/>
+          <p:nvPr/>
+        </p:nvSpPr>
+        <p:spPr>
+          <a:xfrm>
+            <a:off x="3707420" y="969980"/>
+            <a:ext cx="2350480" cy="589137"/>
+          </a:xfrm>
+          <a:prstGeom prst="rect">
+            <a:avLst/>
+          </a:prstGeom>
+        </p:spPr>
+        <p:style>
+          <a:lnRef idx="2">
+            <a:schemeClr val="accent1"/>
+          </a:lnRef>
+          <a:fillRef idx="1">
+            <a:schemeClr val="lt1"/>
+          </a:fillRef>
+          <a:effectRef idx="0">
+            <a:schemeClr val="accent1"/>
+          </a:effectRef>
+          <a:fontRef idx="minor">
+            <a:schemeClr val="dk1"/>
+          </a:fontRef>
+        </p:style>
+        <p:txBody>
+          <a:bodyPr rtlCol="0" anchor="ctr"/>
+          <a:lstStyle/>
+          <a:p>
+            <a:pPr algn="ctr"/>
+            <a:endParaRPr lang="pt-BR"/>
+          </a:p>
+        </p:txBody>
+      </p:sp>
+    </p:spTree>
+    <p:extLst>
+      <p:ext uri="{BB962C8B-B14F-4D97-AF65-F5344CB8AC3E}">
+        <p14:creationId xmlns:p14="http://schemas.microsoft.com/office/powerpoint/2010/main" val="3593601607"/>
+      </p:ext>
+    </p:extLst>
+  </p:cSld>
+  <p:clrMapOvr>
+    <a:masterClrMapping/>
+  </p:clrMapOvr>
+</p:sld>
+</file>
+
 <file path=ppt/slides/slide2.xml><?xml version="1.0" encoding="utf-8"?>
 <p:sld xmlns:a="http://schemas.openxmlformats.org/drawingml/2006/main" xmlns:r="http://schemas.openxmlformats.org/officeDocument/2006/relationships" xmlns:p="http://schemas.openxmlformats.org/presentationml/2006/main">
   <p:cSld>
